--- a/web/b25/3 Publication Traditions.pptx
+++ b/web/b25/3 Publication Traditions.pptx
@@ -5324,7 +5324,34 @@
                 </a:solidFill>
                 <a:cs typeface="ＭＳ Ｐゴシック" charset="0"/>
               </a:rPr>
-              <a:t>One of the most commonly used data bases to investigate citations etc. within computer science</a:t>
+              <a:t>The </a:t>
+            </a:r>
+            <a:r>
+              <a:rPr lang="en-GB" altLang="da-DK" sz="1800" b="1" dirty="0" smtClean="0">
+                <a:solidFill>
+                  <a:srgbClr val="A50021"/>
+                </a:solidFill>
+                <a:cs typeface="ＭＳ Ｐゴシック" charset="0"/>
+              </a:rPr>
+              <a:t>most commonly used data </a:t>
+            </a:r>
+            <a:r>
+              <a:rPr lang="en-GB" altLang="da-DK" sz="1800" b="1" dirty="0" smtClean="0">
+                <a:solidFill>
+                  <a:srgbClr val="A50021"/>
+                </a:solidFill>
+                <a:cs typeface="ＭＳ Ｐゴシック" charset="0"/>
+              </a:rPr>
+              <a:t>base </a:t>
+            </a:r>
+            <a:r>
+              <a:rPr lang="en-GB" altLang="da-DK" sz="1800" b="1" dirty="0" smtClean="0">
+                <a:solidFill>
+                  <a:srgbClr val="A50021"/>
+                </a:solidFill>
+                <a:cs typeface="ＭＳ Ｐゴシック" charset="0"/>
+              </a:rPr>
+              <a:t>to investigate citations etc. within computer science</a:t>
             </a:r>
           </a:p>
           <a:p>
@@ -5597,21 +5624,21 @@
       </p:sp>
       <p:grpSp>
         <p:nvGrpSpPr>
-          <p:cNvPr id="3" name="Group 2"/>
+          <p:cNvPr id="5" name="Group 4"/>
           <p:cNvGrpSpPr/>
           <p:nvPr/>
         </p:nvGrpSpPr>
         <p:grpSpPr>
           <a:xfrm>
-            <a:off x="5436096" y="2973994"/>
-            <a:ext cx="3438128" cy="3335776"/>
-            <a:chOff x="5436096" y="2675564"/>
-            <a:chExt cx="3438128" cy="3615007"/>
+            <a:off x="5004048" y="2780928"/>
+            <a:ext cx="3870176" cy="3459280"/>
+            <a:chOff x="5539770" y="3153794"/>
+            <a:chExt cx="2920662" cy="3097672"/>
           </a:xfrm>
         </p:grpSpPr>
         <p:pic>
           <p:nvPicPr>
-            <p:cNvPr id="2" name="Picture 1"/>
+            <p:cNvPr id="4" name="Picture 3"/>
             <p:cNvPicPr>
               <a:picLocks noChangeAspect="1"/>
             </p:cNvPicPr>
@@ -5625,8 +5652,8 @@
           </p:blipFill>
           <p:spPr>
             <a:xfrm>
-              <a:off x="5436096" y="2675564"/>
-              <a:ext cx="3438128" cy="3615007"/>
+              <a:off x="5539770" y="3153794"/>
+              <a:ext cx="2920662" cy="3097672"/>
             </a:xfrm>
             <a:prstGeom prst="rect">
               <a:avLst/>
@@ -5646,8 +5673,8 @@
           </p:nvSpPr>
           <p:spPr>
             <a:xfrm>
-              <a:off x="5448389" y="2746327"/>
-              <a:ext cx="1472490" cy="276999"/>
+              <a:off x="5580271" y="3195619"/>
+              <a:ext cx="1080120" cy="276999"/>
             </a:xfrm>
             <a:prstGeom prst="rect">
               <a:avLst/>
@@ -5677,70 +5704,6 @@
           </p:txBody>
         </p:sp>
       </p:grpSp>
-      <p:sp>
-        <p:nvSpPr>
-          <p:cNvPr id="10" name="TextBox 9"/>
-          <p:cNvSpPr txBox="1"/>
-          <p:nvPr/>
-        </p:nvSpPr>
-        <p:spPr>
-          <a:xfrm>
-            <a:off x="4582548" y="2520280"/>
-            <a:ext cx="4588674" cy="461665"/>
-          </a:xfrm>
-          <a:prstGeom prst="rect">
-            <a:avLst/>
-          </a:prstGeom>
-          <a:noFill/>
-        </p:spPr>
-        <p:txBody>
-          <a:bodyPr wrap="square" rtlCol="0">
-            <a:spAutoFit/>
-          </a:bodyPr>
-          <a:lstStyle/>
-          <a:p>
-            <a:r>
-              <a:rPr lang="da-DK" sz="1200" b="1" dirty="0" smtClean="0">
-                <a:solidFill>
-                  <a:srgbClr val="FF0000"/>
-                </a:solidFill>
-              </a:rPr>
-              <a:t>Denne og de efterfølgende screen </a:t>
-            </a:r>
-            <a:r>
-              <a:rPr lang="da-DK" sz="1200" b="1" dirty="0" err="1" smtClean="0">
-                <a:solidFill>
-                  <a:srgbClr val="FF0000"/>
-                </a:solidFill>
-              </a:rPr>
-              <a:t>shots</a:t>
-            </a:r>
-            <a:r>
-              <a:rPr lang="da-DK" sz="1200" b="1" dirty="0" smtClean="0">
-                <a:solidFill>
-                  <a:srgbClr val="FF0000"/>
-                </a:solidFill>
-              </a:rPr>
-              <a:t> er fra Februar 2022</a:t>
-            </a:r>
-          </a:p>
-          <a:p>
-            <a:r>
-              <a:rPr lang="da-DK" sz="1200" b="1" dirty="0" smtClean="0">
-                <a:solidFill>
-                  <a:srgbClr val="FF0000"/>
-                </a:solidFill>
-              </a:rPr>
-              <a:t>I dag er tallene lidt andeledes, men formatet det samme</a:t>
-            </a:r>
-            <a:endParaRPr lang="da-DK" sz="1200" b="1" dirty="0">
-              <a:solidFill>
-                <a:srgbClr val="FF0000"/>
-              </a:solidFill>
-            </a:endParaRPr>
-          </a:p>
-        </p:txBody>
-      </p:sp>
     </p:spTree>
     <p:extLst>
       <p:ext uri="{BB962C8B-B14F-4D97-AF65-F5344CB8AC3E}">
@@ -5754,83 +5717,9 @@
   <p:timing>
     <p:tnLst>
       <p:par>
-        <p:cTn id="1" dur="indefinite" restart="never" nodeType="tmRoot">
-          <p:childTnLst>
-            <p:seq concurrent="1" nextAc="seek">
-              <p:cTn id="2" dur="indefinite" nodeType="mainSeq">
-                <p:childTnLst>
-                  <p:par>
-                    <p:cTn id="3" fill="hold">
-                      <p:stCondLst>
-                        <p:cond delay="indefinite"/>
-                        <p:cond evt="onBegin" delay="0">
-                          <p:tn val="2"/>
-                        </p:cond>
-                      </p:stCondLst>
-                      <p:childTnLst>
-                        <p:par>
-                          <p:cTn id="4" fill="hold">
-                            <p:stCondLst>
-                              <p:cond delay="0"/>
-                            </p:stCondLst>
-                            <p:childTnLst>
-                              <p:par>
-                                <p:cTn id="5" presetID="1" presetClass="entr" presetSubtype="0" fill="hold" grpId="0" nodeType="withEffect">
-                                  <p:stCondLst>
-                                    <p:cond delay="0"/>
-                                  </p:stCondLst>
-                                  <p:childTnLst>
-                                    <p:set>
-                                      <p:cBhvr>
-                                        <p:cTn id="6" dur="1" fill="hold">
-                                          <p:stCondLst>
-                                            <p:cond delay="0"/>
-                                          </p:stCondLst>
-                                        </p:cTn>
-                                        <p:tgtEl>
-                                          <p:spTgt spid="10"/>
-                                        </p:tgtEl>
-                                        <p:attrNameLst>
-                                          <p:attrName>style.visibility</p:attrName>
-                                        </p:attrNameLst>
-                                      </p:cBhvr>
-                                      <p:to>
-                                        <p:strVal val="visible"/>
-                                      </p:to>
-                                    </p:set>
-                                  </p:childTnLst>
-                                </p:cTn>
-                              </p:par>
-                            </p:childTnLst>
-                          </p:cTn>
-                        </p:par>
-                      </p:childTnLst>
-                    </p:cTn>
-                  </p:par>
-                </p:childTnLst>
-              </p:cTn>
-              <p:prevCondLst>
-                <p:cond evt="onPrev" delay="0">
-                  <p:tgtEl>
-                    <p:sldTgt/>
-                  </p:tgtEl>
-                </p:cond>
-              </p:prevCondLst>
-              <p:nextCondLst>
-                <p:cond evt="onNext" delay="0">
-                  <p:tgtEl>
-                    <p:sldTgt/>
-                  </p:tgtEl>
-                </p:cond>
-              </p:nextCondLst>
-            </p:seq>
-          </p:childTnLst>
-        </p:cTn>
+        <p:cTn id="1" dur="indefinite" restart="never" nodeType="tmRoot"/>
       </p:par>
     </p:tnLst>
-    <p:bldLst>
-      <p:bldP spid="10" grpId="0"/>
-    </p:bldLst>
   </p:timing>
 </p:sld>
 </file>
@@ -5852,30 +5741,6 @@
           <a:chExt cx="0" cy="0"/>
         </a:xfrm>
       </p:grpSpPr>
-      <p:pic>
-        <p:nvPicPr>
-          <p:cNvPr id="2" name="Picture 1"/>
-          <p:cNvPicPr>
-            <a:picLocks noChangeAspect="1"/>
-          </p:cNvPicPr>
-          <p:nvPr/>
-        </p:nvPicPr>
-        <p:blipFill>
-          <a:blip r:embed="rId3"/>
-          <a:stretch>
-            <a:fillRect/>
-          </a:stretch>
-        </p:blipFill>
-        <p:spPr>
-          <a:xfrm>
-            <a:off x="385178" y="1052736"/>
-            <a:ext cx="8373644" cy="5688632"/>
-          </a:xfrm>
-          <a:prstGeom prst="rect">
-            <a:avLst/>
-          </a:prstGeom>
-        </p:spPr>
-      </p:pic>
       <p:sp>
         <p:nvSpPr>
           <p:cNvPr id="10243" name="Rectangle 2"/>
@@ -5906,35 +5771,29 @@
           </a:p>
         </p:txBody>
       </p:sp>
-      <p:sp>
-        <p:nvSpPr>
-          <p:cNvPr id="8" name="Slide Number Placeholder 7"/>
-          <p:cNvSpPr>
-            <a:spLocks noGrp="1"/>
-          </p:cNvSpPr>
-          <p:nvPr>
-            <p:ph type="sldNum" sz="quarter" idx="12"/>
-          </p:nvPr>
-        </p:nvSpPr>
-        <p:spPr/>
-        <p:txBody>
-          <a:bodyPr/>
-          <a:lstStyle/>
-          <a:p>
-            <a:pPr>
-              <a:defRPr/>
-            </a:pPr>
-            <a:fld id="{3A57ADD0-007F-4610-9D7D-5E5ADEAA50E0}" type="slidenum">
-              <a:rPr lang="da-DK" altLang="da-DK" smtClean="0"/>
-              <a:pPr>
-                <a:defRPr/>
-              </a:pPr>
-              <a:t>11</a:t>
-            </a:fld>
-            <a:endParaRPr lang="da-DK" altLang="da-DK" dirty="0"/>
-          </a:p>
-        </p:txBody>
-      </p:sp>
+      <p:pic>
+        <p:nvPicPr>
+          <p:cNvPr id="3" name="Picture 2"/>
+          <p:cNvPicPr>
+            <a:picLocks noChangeAspect="1"/>
+          </p:cNvPicPr>
+          <p:nvPr/>
+        </p:nvPicPr>
+        <p:blipFill rotWithShape="1">
+          <a:blip r:embed="rId3"/>
+          <a:srcRect t="3391"/>
+          <a:stretch/>
+        </p:blipFill>
+        <p:spPr>
+          <a:xfrm>
+            <a:off x="486571" y="1052737"/>
+            <a:ext cx="8549925" cy="5616624"/>
+          </a:xfrm>
+          <a:prstGeom prst="rect">
+            <a:avLst/>
+          </a:prstGeom>
+        </p:spPr>
+      </p:pic>
       <p:sp>
         <p:nvSpPr>
           <p:cNvPr id="6" name="Right Arrow 5"/>
@@ -5943,7 +5802,7 @@
         </p:nvSpPr>
         <p:spPr bwMode="auto">
           <a:xfrm>
-            <a:off x="407690" y="3823914"/>
+            <a:off x="407690" y="3717032"/>
             <a:ext cx="121245" cy="73138"/>
           </a:xfrm>
           <a:prstGeom prst="rightArrow">
@@ -5952,7 +5811,7 @@
           <a:noFill/>
           <a:ln w="12700" cap="flat" cmpd="sng" algn="ctr">
             <a:solidFill>
-              <a:srgbClr val="000066"/>
+              <a:srgbClr val="FF0000"/>
             </a:solidFill>
             <a:prstDash val="solid"/>
             <a:round/>
@@ -6017,6 +5876,35 @@
               <a:latin typeface="Arial" charset="0"/>
               <a:ea typeface="ＭＳ Ｐゴシック" charset="0"/>
             </a:endParaRPr>
+          </a:p>
+        </p:txBody>
+      </p:sp>
+      <p:sp>
+        <p:nvSpPr>
+          <p:cNvPr id="8" name="Slide Number Placeholder 7"/>
+          <p:cNvSpPr>
+            <a:spLocks noGrp="1"/>
+          </p:cNvSpPr>
+          <p:nvPr>
+            <p:ph type="sldNum" sz="quarter" idx="12"/>
+          </p:nvPr>
+        </p:nvSpPr>
+        <p:spPr/>
+        <p:txBody>
+          <a:bodyPr/>
+          <a:lstStyle/>
+          <a:p>
+            <a:pPr>
+              <a:defRPr/>
+            </a:pPr>
+            <a:fld id="{3A57ADD0-007F-4610-9D7D-5E5ADEAA50E0}" type="slidenum">
+              <a:rPr lang="da-DK" altLang="da-DK" smtClean="0"/>
+              <a:pPr>
+                <a:defRPr/>
+              </a:pPr>
+              <a:t>11</a:t>
+            </a:fld>
+            <a:endParaRPr lang="da-DK" altLang="da-DK" dirty="0"/>
           </a:p>
         </p:txBody>
       </p:sp>
@@ -6059,7 +5947,7 @@
       </p:grpSpPr>
       <p:pic>
         <p:nvPicPr>
-          <p:cNvPr id="7" name="Picture 6"/>
+          <p:cNvPr id="2" name="Picture 1"/>
           <p:cNvPicPr>
             <a:picLocks noChangeAspect="1"/>
           </p:cNvPicPr>
@@ -6073,8 +5961,8 @@
         </p:blipFill>
         <p:spPr>
           <a:xfrm>
-            <a:off x="900361" y="2060848"/>
-            <a:ext cx="6839991" cy="4680520"/>
+            <a:off x="1187624" y="2060848"/>
+            <a:ext cx="7183692" cy="4752528"/>
           </a:xfrm>
           <a:prstGeom prst="rect">
             <a:avLst/>
@@ -6410,7 +6298,7 @@
         </p:nvSpPr>
         <p:spPr>
           <a:xfrm>
-            <a:off x="5508104" y="2495894"/>
+            <a:off x="5580112" y="2492896"/>
             <a:ext cx="3384376" cy="1938992"/>
           </a:xfrm>
           <a:prstGeom prst="rect">
@@ -6554,7 +6442,7 @@
         </p:nvSpPr>
         <p:spPr bwMode="auto">
           <a:xfrm rot="10800000">
-            <a:off x="6677224" y="6412995"/>
+            <a:off x="8480204" y="5897906"/>
             <a:ext cx="113504" cy="91716"/>
           </a:xfrm>
           <a:prstGeom prst="rightArrow">
@@ -6563,7 +6451,7 @@
           <a:noFill/>
           <a:ln w="12700" cap="flat" cmpd="sng" algn="ctr">
             <a:solidFill>
-              <a:srgbClr val="0000CC"/>
+              <a:srgbClr val="FF0000"/>
             </a:solidFill>
             <a:prstDash val="solid"/>
             <a:round/>
@@ -6639,7 +6527,7 @@
         </p:nvSpPr>
         <p:spPr>
           <a:xfrm>
-            <a:off x="6804248" y="6320353"/>
+            <a:off x="8607228" y="5805264"/>
             <a:ext cx="539880" cy="276999"/>
           </a:xfrm>
           <a:prstGeom prst="rect">
@@ -6656,14 +6544,14 @@
             <a:r>
               <a:rPr lang="en-US" sz="1200" b="1" dirty="0" smtClean="0">
                 <a:solidFill>
-                  <a:srgbClr val="0000CC"/>
+                  <a:srgbClr val="FF0000"/>
                 </a:solidFill>
               </a:rPr>
               <a:t>PDF</a:t>
             </a:r>
             <a:endParaRPr lang="en-US" sz="1200" b="1" dirty="0">
               <a:solidFill>
-                <a:srgbClr val="0000CC"/>
+                <a:srgbClr val="FF0000"/>
               </a:solidFill>
             </a:endParaRPr>
           </a:p>
@@ -6779,7 +6667,7 @@
       </p:grpSpPr>
       <p:pic>
         <p:nvPicPr>
-          <p:cNvPr id="2" name="Picture 1"/>
+          <p:cNvPr id="3" name="Picture 2"/>
           <p:cNvPicPr>
             <a:picLocks noChangeAspect="1"/>
           </p:cNvPicPr>
@@ -6793,8 +6681,8 @@
         </p:blipFill>
         <p:spPr>
           <a:xfrm>
-            <a:off x="476526" y="993006"/>
-            <a:ext cx="8342389" cy="5841547"/>
+            <a:off x="480701" y="1042736"/>
+            <a:ext cx="8544682" cy="5454118"/>
           </a:xfrm>
           <a:prstGeom prst="rect">
             <a:avLst/>
@@ -6809,8 +6697,8 @@
         </p:nvSpPr>
         <p:spPr>
           <a:xfrm>
-            <a:off x="2126930" y="1439854"/>
-            <a:ext cx="2363470" cy="261610"/>
+            <a:off x="2141290" y="1362891"/>
+            <a:ext cx="2226779" cy="261610"/>
           </a:xfrm>
           <a:prstGeom prst="rect">
             <a:avLst/>
@@ -6831,7 +6719,7 @@
                   <a:srgbClr val="5F5F5F"/>
                 </a:solidFill>
               </a:rPr>
-              <a:t>About 43.800 results (0,06 sec)</a:t>
+              <a:t>About 50.500 results (0,09 sec)</a:t>
             </a:r>
             <a:endParaRPr lang="en-US" sz="1100" b="1" dirty="0">
               <a:solidFill>
@@ -7005,7 +6893,7 @@
         </p:nvSpPr>
         <p:spPr bwMode="auto">
           <a:xfrm>
-            <a:off x="625645" y="1765800"/>
+            <a:off x="625645" y="1700808"/>
             <a:ext cx="1265678" cy="2423246"/>
           </a:xfrm>
           <a:prstGeom prst="rect">
@@ -7129,7 +7017,7 @@
         <p:spPr bwMode="auto">
           <a:xfrm>
             <a:off x="2186867" y="1092636"/>
-            <a:ext cx="1127407" cy="190729"/>
+            <a:ext cx="1233005" cy="190729"/>
           </a:xfrm>
           <a:prstGeom prst="rect">
             <a:avLst/>
@@ -7213,7 +7101,7 @@
         </p:nvSpPr>
         <p:spPr bwMode="auto">
           <a:xfrm>
-            <a:off x="2161978" y="1443229"/>
+            <a:off x="2168556" y="1370867"/>
             <a:ext cx="2152310" cy="259040"/>
           </a:xfrm>
           <a:prstGeom prst="rect">
@@ -7298,7 +7186,7 @@
         </p:nvSpPr>
         <p:spPr bwMode="auto">
           <a:xfrm>
-            <a:off x="822470" y="3455256"/>
+            <a:off x="809314" y="3402628"/>
             <a:ext cx="915575" cy="162093"/>
           </a:xfrm>
           <a:prstGeom prst="rect">
@@ -7421,7 +7309,7 @@
         </p:nvSpPr>
         <p:spPr>
           <a:xfrm>
-            <a:off x="4284756" y="1062471"/>
+            <a:off x="4420865" y="1062471"/>
             <a:ext cx="2095351" cy="646331"/>
           </a:xfrm>
           <a:prstGeom prst="rect">
@@ -7457,7 +7345,7 @@
                   <a:srgbClr val="008000"/>
                 </a:solidFill>
               </a:rPr>
-              <a:t>“colored Petri nets" (US spelling) gives another 59.200 hits</a:t>
+              <a:t>“colored Petri nets" (US spelling) gives another 68.300 hits</a:t>
             </a:r>
             <a:endParaRPr lang="en-US" sz="1200" b="1" dirty="0">
               <a:solidFill>
@@ -8157,8 +8045,8 @@
         </p:nvSpPr>
         <p:spPr bwMode="auto">
           <a:xfrm>
-            <a:off x="438576" y="1087002"/>
-            <a:ext cx="8352160" cy="2341997"/>
+            <a:off x="438575" y="1087002"/>
+            <a:ext cx="8597921" cy="2341997"/>
           </a:xfrm>
           <a:prstGeom prst="rect">
             <a:avLst/>
@@ -8407,7 +8295,11 @@
             </a:pPr>
             <a:r>
               <a:rPr lang="en-GB" altLang="da-DK" sz="1600" kern="0" dirty="0" smtClean="0"/>
-              <a:t>Maintained by the University </a:t>
+              <a:t>Started 1993 by </a:t>
+            </a:r>
+            <a:r>
+              <a:rPr lang="en-GB" altLang="da-DK" sz="1600" kern="0" dirty="0" smtClean="0"/>
+              <a:t>the University </a:t>
             </a:r>
             <a:r>
               <a:rPr lang="en-GB" altLang="da-DK" sz="1600" kern="0" dirty="0"/>
@@ -8415,8 +8307,62 @@
             </a:r>
             <a:r>
               <a:rPr lang="en-GB" altLang="da-DK" sz="1600" kern="0" dirty="0" smtClean="0"/>
-              <a:t>Germany since 1993</a:t>
-            </a:r>
+              <a:t>Germany</a:t>
+            </a:r>
+          </a:p>
+          <a:p>
+            <a:pPr marL="728663" lvl="1" indent="-271463">
+              <a:spcBef>
+                <a:spcPts val="300"/>
+              </a:spcBef>
+              <a:buFontTx/>
+              <a:buChar char="–"/>
+            </a:pPr>
+            <a:r>
+              <a:rPr lang="en-GB" altLang="da-DK" sz="1600" kern="0" dirty="0" smtClean="0"/>
+              <a:t>Since 2018 operated by </a:t>
+            </a:r>
+            <a:r>
+              <a:rPr lang="en-GB" altLang="da-DK" sz="1600" kern="0" dirty="0" err="1" smtClean="0"/>
+              <a:t>Schloss</a:t>
+            </a:r>
+            <a:r>
+              <a:rPr lang="en-GB" altLang="da-DK" sz="1600" kern="0" dirty="0" smtClean="0"/>
+              <a:t> </a:t>
+            </a:r>
+            <a:r>
+              <a:rPr lang="en-GB" altLang="da-DK" sz="1600" kern="0" dirty="0" err="1" smtClean="0"/>
+              <a:t>Dagstuhl</a:t>
+            </a:r>
+            <a:r>
+              <a:rPr lang="en-GB" altLang="da-DK" sz="1600" kern="0" dirty="0" smtClean="0"/>
+              <a:t> – Leibniz-</a:t>
+            </a:r>
+            <a:r>
+              <a:rPr lang="en-GB" altLang="da-DK" sz="1600" kern="0" dirty="0" err="1" smtClean="0"/>
+              <a:t>Zentrum</a:t>
+            </a:r>
+            <a:r>
+              <a:rPr lang="en-GB" altLang="da-DK" sz="1600" kern="0" dirty="0" smtClean="0"/>
+              <a:t> </a:t>
+            </a:r>
+            <a:r>
+              <a:rPr lang="en-GB" altLang="da-DK" sz="1600" kern="0" dirty="0" err="1" smtClean="0"/>
+              <a:t>für</a:t>
+            </a:r>
+            <a:r>
+              <a:rPr lang="en-GB" altLang="da-DK" sz="1600" kern="0" dirty="0" smtClean="0"/>
+              <a:t> </a:t>
+            </a:r>
+            <a:r>
+              <a:rPr lang="en-GB" altLang="da-DK" sz="1600" kern="0" dirty="0" err="1" smtClean="0"/>
+              <a:t>Informatik</a:t>
+            </a:r>
+            <a:r>
+              <a:rPr lang="en-GB" altLang="da-DK" sz="1600" kern="0" dirty="0" smtClean="0"/>
+              <a:t>, Germany</a:t>
+            </a:r>
+            <a:endParaRPr lang="en-GB" altLang="da-DK" sz="1600" kern="0" dirty="0" smtClean="0"/>
           </a:p>
           <a:p>
             <a:pPr marL="728663" lvl="1" indent="-271463">
@@ -9096,16 +9042,7 @@
                 </a:solidFill>
                 <a:cs typeface="ＭＳ Ｐゴシック" charset="0"/>
               </a:rPr>
-              <a:t>Contains nearly 200 million </a:t>
-            </a:r>
-            <a:r>
-              <a:rPr lang="en-US" sz="1800" b="1" kern="0" spc="-70" dirty="0" smtClean="0">
-                <a:solidFill>
-                  <a:srgbClr val="A50021"/>
-                </a:solidFill>
-                <a:cs typeface="ＭＳ Ｐゴシック" charset="0"/>
-              </a:rPr>
-              <a:t>papers</a:t>
+              <a:t>Contains nearly 200 million papers</a:t>
             </a:r>
             <a:endParaRPr lang="en-US" sz="1800" b="1" kern="0" spc="-70" dirty="0">
               <a:solidFill>
@@ -9166,11 +9103,7 @@
             </a:pPr>
             <a:r>
               <a:rPr lang="en-US" altLang="da-DK" sz="1600" kern="0" dirty="0" smtClean="0"/>
-              <a:t>Maintained </a:t>
-            </a:r>
-            <a:r>
-              <a:rPr lang="en-US" altLang="da-DK" sz="1600" kern="0" dirty="0" smtClean="0"/>
-              <a:t>by the </a:t>
+              <a:t>Maintained by the </a:t>
             </a:r>
             <a:r>
               <a:rPr lang="en-US" sz="1600" kern="0" dirty="0" smtClean="0"/>

--- a/web/b25/3 Publication Traditions.pptx
+++ b/web/b25/3 Publication Traditions.pptx
@@ -2,32 +2,32 @@
 <file path=ppt/presentation.xml><?xml version="1.0" encoding="utf-8"?>
 <p:presentation xmlns:a="http://schemas.openxmlformats.org/drawingml/2006/main" xmlns:r="http://schemas.openxmlformats.org/officeDocument/2006/relationships" xmlns:p="http://schemas.openxmlformats.org/presentationml/2006/main" showSpecialPlsOnTitleSld="0" saveSubsetFonts="1" autoCompressPictures="0">
   <p:sldMasterIdLst>
-    <p:sldMasterId id="2147483648" r:id="rId1"/>
+    <p:sldMasterId id="2147483648" r:id="rId4"/>
   </p:sldMasterIdLst>
   <p:notesMasterIdLst>
-    <p:notesMasterId r:id="rId19"/>
+    <p:notesMasterId r:id="rId22"/>
   </p:notesMasterIdLst>
   <p:handoutMasterIdLst>
-    <p:handoutMasterId r:id="rId20"/>
+    <p:handoutMasterId r:id="rId23"/>
   </p:handoutMasterIdLst>
   <p:sldIdLst>
-    <p:sldId id="375" r:id="rId2"/>
-    <p:sldId id="410" r:id="rId3"/>
-    <p:sldId id="412" r:id="rId4"/>
-    <p:sldId id="411" r:id="rId5"/>
-    <p:sldId id="413" r:id="rId6"/>
-    <p:sldId id="414" r:id="rId7"/>
-    <p:sldId id="415" r:id="rId8"/>
-    <p:sldId id="416" r:id="rId9"/>
-    <p:sldId id="417" r:id="rId10"/>
-    <p:sldId id="418" r:id="rId11"/>
-    <p:sldId id="419" r:id="rId12"/>
-    <p:sldId id="421" r:id="rId13"/>
-    <p:sldId id="422" r:id="rId14"/>
-    <p:sldId id="423" r:id="rId15"/>
-    <p:sldId id="424" r:id="rId16"/>
-    <p:sldId id="427" r:id="rId17"/>
-    <p:sldId id="334" r:id="rId18"/>
+    <p:sldId id="375" r:id="rId5"/>
+    <p:sldId id="410" r:id="rId6"/>
+    <p:sldId id="412" r:id="rId7"/>
+    <p:sldId id="411" r:id="rId8"/>
+    <p:sldId id="413" r:id="rId9"/>
+    <p:sldId id="414" r:id="rId10"/>
+    <p:sldId id="415" r:id="rId11"/>
+    <p:sldId id="416" r:id="rId12"/>
+    <p:sldId id="417" r:id="rId13"/>
+    <p:sldId id="418" r:id="rId14"/>
+    <p:sldId id="419" r:id="rId15"/>
+    <p:sldId id="421" r:id="rId16"/>
+    <p:sldId id="422" r:id="rId17"/>
+    <p:sldId id="423" r:id="rId18"/>
+    <p:sldId id="424" r:id="rId19"/>
+    <p:sldId id="427" r:id="rId20"/>
+    <p:sldId id="334" r:id="rId21"/>
   </p:sldIdLst>
   <p:sldSz cx="9144000" cy="6858000" type="screen4x3"/>
   <p:notesSz cx="7099300" cy="10234613"/>
@@ -4909,6 +4909,38 @@
             </a:r>
           </a:p>
           <a:p>
+            <a:pPr marL="728663" lvl="1" indent="-271463">
+              <a:spcBef>
+                <a:spcPts val="200"/>
+              </a:spcBef>
+            </a:pPr>
+            <a:r>
+              <a:rPr lang="da-DK" sz="1600" dirty="0" smtClean="0">
+                <a:latin typeface="+mn-lt"/>
+                <a:ea typeface="+mn-ea"/>
+              </a:rPr>
+              <a:t>Bibliotekar Rasmus </a:t>
+            </a:r>
+            <a:r>
+              <a:rPr lang="da-DK" sz="1600" dirty="0">
+                <a:latin typeface="+mn-lt"/>
+                <a:ea typeface="+mn-ea"/>
+              </a:rPr>
+              <a:t>T. </a:t>
+            </a:r>
+            <a:r>
+              <a:rPr lang="da-DK" sz="1600" dirty="0" smtClean="0">
+                <a:latin typeface="+mn-lt"/>
+                <a:ea typeface="+mn-ea"/>
+              </a:rPr>
+              <a:t>Nielsen</a:t>
+            </a:r>
+            <a:endParaRPr lang="en-GB" altLang="da-DK" sz="1600" dirty="0" smtClean="0">
+              <a:latin typeface="+mn-lt"/>
+              <a:ea typeface="+mn-ea"/>
+            </a:endParaRPr>
+          </a:p>
+          <a:p>
             <a:pPr marL="271463" lvl="1" indent="-271463">
               <a:spcBef>
                 <a:spcPts val="1200"/>
@@ -5324,34 +5356,7 @@
                 </a:solidFill>
                 <a:cs typeface="ＭＳ Ｐゴシック" charset="0"/>
               </a:rPr>
-              <a:t>The </a:t>
-            </a:r>
-            <a:r>
-              <a:rPr lang="en-GB" altLang="da-DK" sz="1800" b="1" dirty="0" smtClean="0">
-                <a:solidFill>
-                  <a:srgbClr val="A50021"/>
-                </a:solidFill>
-                <a:cs typeface="ＭＳ Ｐゴシック" charset="0"/>
-              </a:rPr>
-              <a:t>most commonly used data </a:t>
-            </a:r>
-            <a:r>
-              <a:rPr lang="en-GB" altLang="da-DK" sz="1800" b="1" dirty="0" smtClean="0">
-                <a:solidFill>
-                  <a:srgbClr val="A50021"/>
-                </a:solidFill>
-                <a:cs typeface="ＭＳ Ｐゴシック" charset="0"/>
-              </a:rPr>
-              <a:t>base </a:t>
-            </a:r>
-            <a:r>
-              <a:rPr lang="en-GB" altLang="da-DK" sz="1800" b="1" dirty="0" smtClean="0">
-                <a:solidFill>
-                  <a:srgbClr val="A50021"/>
-                </a:solidFill>
-                <a:cs typeface="ＭＳ Ｐゴシック" charset="0"/>
-              </a:rPr>
-              <a:t>to investigate citations etc. within computer science</a:t>
+              <a:t>The most commonly used data base to investigate citations etc. within computer science</a:t>
             </a:r>
           </a:p>
           <a:p>
@@ -8295,11 +8300,7 @@
             </a:pPr>
             <a:r>
               <a:rPr lang="en-GB" altLang="da-DK" sz="1600" kern="0" dirty="0" smtClean="0"/>
-              <a:t>Started 1993 by </a:t>
-            </a:r>
-            <a:r>
-              <a:rPr lang="en-GB" altLang="da-DK" sz="1600" kern="0" dirty="0" smtClean="0"/>
-              <a:t>the University </a:t>
+              <a:t>Started 1993 by the University </a:t>
             </a:r>
             <a:r>
               <a:rPr lang="en-GB" altLang="da-DK" sz="1600" kern="0" dirty="0"/>
@@ -8362,7 +8363,6 @@
               <a:rPr lang="en-GB" altLang="da-DK" sz="1600" kern="0" dirty="0" smtClean="0"/>
               <a:t>, Germany</a:t>
             </a:r>
-            <a:endParaRPr lang="en-GB" altLang="da-DK" sz="1600" kern="0" dirty="0" smtClean="0"/>
           </a:p>
           <a:p>
             <a:pPr marL="728663" lvl="1" indent="-271463">
@@ -14758,4 +14758,304 @@
   </a:objectDefaults>
   <a:extraClrSchemeLst/>
 </a:theme>
+</file>
+
+<file path=customXml/item1.xml><?xml version="1.0" encoding="utf-8"?>
+<ct:contentTypeSchema xmlns:ct="http://schemas.microsoft.com/office/2006/metadata/contentType" xmlns:ma="http://schemas.microsoft.com/office/2006/metadata/properties/metaAttributes" ct:_="" ma:_="" ma:contentTypeName="Dokument" ma:contentTypeID="0x01010056836BC33D1E5846BD77C269C61838DB" ma:contentTypeVersion="16" ma:contentTypeDescription="Opret et nyt dokument." ma:contentTypeScope="" ma:versionID="ef3cc48880d2d4424b772cc9d47831bb">
+  <xsd:schema xmlns:xsd="http://www.w3.org/2001/XMLSchema" xmlns:xs="http://www.w3.org/2001/XMLSchema" xmlns:p="http://schemas.microsoft.com/office/2006/metadata/properties" xmlns:ns3="f659a008-7c21-4ee3-a745-e38581e13101" xmlns:ns4="e064323b-8959-406a-a3e9-bb6e93638192" targetNamespace="http://schemas.microsoft.com/office/2006/metadata/properties" ma:root="true" ma:fieldsID="f385e854457ff68500d83ba1a633310b" ns3:_="" ns4:_="">
+    <xsd:import namespace="f659a008-7c21-4ee3-a745-e38581e13101"/>
+    <xsd:import namespace="e064323b-8959-406a-a3e9-bb6e93638192"/>
+    <xsd:element name="properties">
+      <xsd:complexType>
+        <xsd:sequence>
+          <xsd:element name="documentManagement">
+            <xsd:complexType>
+              <xsd:all>
+                <xsd:element ref="ns3:MediaServiceMetadata" minOccurs="0"/>
+                <xsd:element ref="ns3:MediaServiceFastMetadata" minOccurs="0"/>
+                <xsd:element ref="ns3:MediaServiceDateTaken" minOccurs="0"/>
+                <xsd:element ref="ns3:MediaLengthInSeconds" minOccurs="0"/>
+                <xsd:element ref="ns4:SharedWithUsers" minOccurs="0"/>
+                <xsd:element ref="ns4:SharedWithDetails" minOccurs="0"/>
+                <xsd:element ref="ns4:SharingHintHash" minOccurs="0"/>
+                <xsd:element ref="ns3:MediaServiceAutoTags" minOccurs="0"/>
+                <xsd:element ref="ns3:_activity" minOccurs="0"/>
+                <xsd:element ref="ns3:MediaServiceObjectDetectorVersions" minOccurs="0"/>
+                <xsd:element ref="ns3:MediaServiceGenerationTime" minOccurs="0"/>
+                <xsd:element ref="ns3:MediaServiceEventHashCode" minOccurs="0"/>
+                <xsd:element ref="ns3:MediaServiceSystemTags" minOccurs="0"/>
+                <xsd:element ref="ns3:MediaServiceLocation" minOccurs="0"/>
+                <xsd:element ref="ns3:MediaServiceOCR" minOccurs="0"/>
+                <xsd:element ref="ns3:MediaServiceSearchProperties" minOccurs="0"/>
+              </xsd:all>
+            </xsd:complexType>
+          </xsd:element>
+        </xsd:sequence>
+      </xsd:complexType>
+    </xsd:element>
+  </xsd:schema>
+  <xsd:schema xmlns:xsd="http://www.w3.org/2001/XMLSchema" xmlns:xs="http://www.w3.org/2001/XMLSchema" xmlns:dms="http://schemas.microsoft.com/office/2006/documentManagement/types" xmlns:pc="http://schemas.microsoft.com/office/infopath/2007/PartnerControls" targetNamespace="f659a008-7c21-4ee3-a745-e38581e13101" elementFormDefault="qualified">
+    <xsd:import namespace="http://schemas.microsoft.com/office/2006/documentManagement/types"/>
+    <xsd:import namespace="http://schemas.microsoft.com/office/infopath/2007/PartnerControls"/>
+    <xsd:element name="MediaServiceMetadata" ma:index="8" nillable="true" ma:displayName="MediaServiceMetadata" ma:hidden="true" ma:internalName="MediaServiceMetadata" ma:readOnly="true">
+      <xsd:simpleType>
+        <xsd:restriction base="dms:Note"/>
+      </xsd:simpleType>
+    </xsd:element>
+    <xsd:element name="MediaServiceFastMetadata" ma:index="9" nillable="true" ma:displayName="MediaServiceFastMetadata" ma:hidden="true" ma:internalName="MediaServiceFastMetadata" ma:readOnly="true">
+      <xsd:simpleType>
+        <xsd:restriction base="dms:Note"/>
+      </xsd:simpleType>
+    </xsd:element>
+    <xsd:element name="MediaServiceDateTaken" ma:index="10" nillable="true" ma:displayName="MediaServiceDateTaken" ma:hidden="true" ma:internalName="MediaServiceDateTaken" ma:readOnly="true">
+      <xsd:simpleType>
+        <xsd:restriction base="dms:Text"/>
+      </xsd:simpleType>
+    </xsd:element>
+    <xsd:element name="MediaLengthInSeconds" ma:index="11" nillable="true" ma:displayName="MediaLengthInSeconds" ma:hidden="true" ma:internalName="MediaLengthInSeconds" ma:readOnly="true">
+      <xsd:simpleType>
+        <xsd:restriction base="dms:Unknown"/>
+      </xsd:simpleType>
+    </xsd:element>
+    <xsd:element name="MediaServiceAutoTags" ma:index="15" nillable="true" ma:displayName="Tags" ma:internalName="MediaServiceAutoTags" ma:readOnly="true">
+      <xsd:simpleType>
+        <xsd:restriction base="dms:Text"/>
+      </xsd:simpleType>
+    </xsd:element>
+    <xsd:element name="_activity" ma:index="16" nillable="true" ma:displayName="_activity" ma:hidden="true" ma:internalName="_activity">
+      <xsd:simpleType>
+        <xsd:restriction base="dms:Note"/>
+      </xsd:simpleType>
+    </xsd:element>
+    <xsd:element name="MediaServiceObjectDetectorVersions" ma:index="17" nillable="true" ma:displayName="MediaServiceObjectDetectorVersions" ma:hidden="true" ma:indexed="true" ma:internalName="MediaServiceObjectDetectorVersions" ma:readOnly="true">
+      <xsd:simpleType>
+        <xsd:restriction base="dms:Text"/>
+      </xsd:simpleType>
+    </xsd:element>
+    <xsd:element name="MediaServiceGenerationTime" ma:index="18" nillable="true" ma:displayName="MediaServiceGenerationTime" ma:hidden="true" ma:internalName="MediaServiceGenerationTime" ma:readOnly="true">
+      <xsd:simpleType>
+        <xsd:restriction base="dms:Text"/>
+      </xsd:simpleType>
+    </xsd:element>
+    <xsd:element name="MediaServiceEventHashCode" ma:index="19" nillable="true" ma:displayName="MediaServiceEventHashCode" ma:hidden="true" ma:internalName="MediaServiceEventHashCode" ma:readOnly="true">
+      <xsd:simpleType>
+        <xsd:restriction base="dms:Text"/>
+      </xsd:simpleType>
+    </xsd:element>
+    <xsd:element name="MediaServiceSystemTags" ma:index="20" nillable="true" ma:displayName="MediaServiceSystemTags" ma:hidden="true" ma:internalName="MediaServiceSystemTags" ma:readOnly="true">
+      <xsd:simpleType>
+        <xsd:restriction base="dms:Note"/>
+      </xsd:simpleType>
+    </xsd:element>
+    <xsd:element name="MediaServiceLocation" ma:index="21" nillable="true" ma:displayName="Location" ma:indexed="true" ma:internalName="MediaServiceLocation" ma:readOnly="true">
+      <xsd:simpleType>
+        <xsd:restriction base="dms:Text"/>
+      </xsd:simpleType>
+    </xsd:element>
+    <xsd:element name="MediaServiceOCR" ma:index="22" nillable="true" ma:displayName="Extracted Text" ma:internalName="MediaServiceOCR" ma:readOnly="true">
+      <xsd:simpleType>
+        <xsd:restriction base="dms:Note">
+          <xsd:maxLength value="255"/>
+        </xsd:restriction>
+      </xsd:simpleType>
+    </xsd:element>
+    <xsd:element name="MediaServiceSearchProperties" ma:index="23" nillable="true" ma:displayName="MediaServiceSearchProperties" ma:hidden="true" ma:internalName="MediaServiceSearchProperties" ma:readOnly="true">
+      <xsd:simpleType>
+        <xsd:restriction base="dms:Note"/>
+      </xsd:simpleType>
+    </xsd:element>
+  </xsd:schema>
+  <xsd:schema xmlns:xsd="http://www.w3.org/2001/XMLSchema" xmlns:xs="http://www.w3.org/2001/XMLSchema" xmlns:dms="http://schemas.microsoft.com/office/2006/documentManagement/types" xmlns:pc="http://schemas.microsoft.com/office/infopath/2007/PartnerControls" targetNamespace="e064323b-8959-406a-a3e9-bb6e93638192" elementFormDefault="qualified">
+    <xsd:import namespace="http://schemas.microsoft.com/office/2006/documentManagement/types"/>
+    <xsd:import namespace="http://schemas.microsoft.com/office/infopath/2007/PartnerControls"/>
+    <xsd:element name="SharedWithUsers" ma:index="12" nillable="true" ma:displayName="Delt med" ma:internalName="SharedWithUsers" ma:readOnly="true">
+      <xsd:complexType>
+        <xsd:complexContent>
+          <xsd:extension base="dms:UserMulti">
+            <xsd:sequence>
+              <xsd:element name="UserInfo" minOccurs="0" maxOccurs="unbounded">
+                <xsd:complexType>
+                  <xsd:sequence>
+                    <xsd:element name="DisplayName" type="xsd:string" minOccurs="0"/>
+                    <xsd:element name="AccountId" type="dms:UserId" minOccurs="0" nillable="true"/>
+                    <xsd:element name="AccountType" type="xsd:string" minOccurs="0"/>
+                  </xsd:sequence>
+                </xsd:complexType>
+              </xsd:element>
+            </xsd:sequence>
+          </xsd:extension>
+        </xsd:complexContent>
+      </xsd:complexType>
+    </xsd:element>
+    <xsd:element name="SharedWithDetails" ma:index="13" nillable="true" ma:displayName="Delt med detaljer" ma:internalName="SharedWithDetails" ma:readOnly="true">
+      <xsd:simpleType>
+        <xsd:restriction base="dms:Note">
+          <xsd:maxLength value="255"/>
+        </xsd:restriction>
+      </xsd:simpleType>
+    </xsd:element>
+    <xsd:element name="SharingHintHash" ma:index="14" nillable="true" ma:displayName="Hashværdi for deling" ma:hidden="true" ma:internalName="SharingHintHash" ma:readOnly="true">
+      <xsd:simpleType>
+        <xsd:restriction base="dms:Text"/>
+      </xsd:simpleType>
+    </xsd:element>
+  </xsd:schema>
+  <xsd:schema xmlns="http://schemas.openxmlformats.org/package/2006/metadata/core-properties" xmlns:xsd="http://www.w3.org/2001/XMLSchema" xmlns:xsi="http://www.w3.org/2001/XMLSchema-instance" xmlns:dc="http://purl.org/dc/elements/1.1/" xmlns:dcterms="http://purl.org/dc/terms/" xmlns:odoc="http://schemas.microsoft.com/internal/obd" targetNamespace="http://schemas.openxmlformats.org/package/2006/metadata/core-properties" elementFormDefault="qualified" attributeFormDefault="unqualified" blockDefault="#all">
+    <xsd:import namespace="http://purl.org/dc/elements/1.1/" schemaLocation="http://dublincore.org/schemas/xmls/qdc/2003/04/02/dc.xsd"/>
+    <xsd:import namespace="http://purl.org/dc/terms/" schemaLocation="http://dublincore.org/schemas/xmls/qdc/2003/04/02/dcterms.xsd"/>
+    <xsd:element name="coreProperties" type="CT_coreProperties"/>
+    <xsd:complexType name="CT_coreProperties">
+      <xsd:all>
+        <xsd:element ref="dc:creator" minOccurs="0" maxOccurs="1"/>
+        <xsd:element ref="dcterms:created" minOccurs="0" maxOccurs="1"/>
+        <xsd:element ref="dc:identifier" minOccurs="0" maxOccurs="1"/>
+        <xsd:element name="contentType" minOccurs="0" maxOccurs="1" type="xsd:string" ma:index="0" ma:displayName="Indholdstype"/>
+        <xsd:element ref="dc:title" minOccurs="0" maxOccurs="1" ma:index="4" ma:displayName="Titel"/>
+        <xsd:element ref="dc:subject" minOccurs="0" maxOccurs="1"/>
+        <xsd:element ref="dc:description" minOccurs="0" maxOccurs="1"/>
+        <xsd:element name="keywords" minOccurs="0" maxOccurs="1" type="xsd:string"/>
+        <xsd:element ref="dc:language" minOccurs="0" maxOccurs="1"/>
+        <xsd:element name="category" minOccurs="0" maxOccurs="1" type="xsd:string"/>
+        <xsd:element name="version" minOccurs="0" maxOccurs="1" type="xsd:string"/>
+        <xsd:element name="revision" minOccurs="0" maxOccurs="1" type="xsd:string">
+          <xsd:annotation>
+            <xsd:documentation>
+                        This value indicates the number of saves or revisions. The application is responsible for updating this value after each revision.
+                    </xsd:documentation>
+          </xsd:annotation>
+        </xsd:element>
+        <xsd:element name="lastModifiedBy" minOccurs="0" maxOccurs="1" type="xsd:string"/>
+        <xsd:element ref="dcterms:modified" minOccurs="0" maxOccurs="1"/>
+        <xsd:element name="contentStatus" minOccurs="0" maxOccurs="1" type="xsd:string"/>
+      </xsd:all>
+    </xsd:complexType>
+  </xsd:schema>
+  <xs:schema xmlns:pc="http://schemas.microsoft.com/office/infopath/2007/PartnerControls" xmlns:xs="http://www.w3.org/2001/XMLSchema" targetNamespace="http://schemas.microsoft.com/office/infopath/2007/PartnerControls" elementFormDefault="qualified" attributeFormDefault="unqualified">
+    <xs:element name="Person">
+      <xs:complexType>
+        <xs:sequence>
+          <xs:element ref="pc:DisplayName" minOccurs="0"/>
+          <xs:element ref="pc:AccountId" minOccurs="0"/>
+          <xs:element ref="pc:AccountType" minOccurs="0"/>
+        </xs:sequence>
+      </xs:complexType>
+    </xs:element>
+    <xs:element name="DisplayName" type="xs:string"/>
+    <xs:element name="AccountId" type="xs:string"/>
+    <xs:element name="AccountType" type="xs:string"/>
+    <xs:element name="BDCAssociatedEntity">
+      <xs:complexType>
+        <xs:sequence>
+          <xs:element ref="pc:BDCEntity" minOccurs="0" maxOccurs="unbounded"/>
+        </xs:sequence>
+        <xs:attribute ref="pc:EntityNamespace"/>
+        <xs:attribute ref="pc:EntityName"/>
+        <xs:attribute ref="pc:SystemInstanceName"/>
+        <xs:attribute ref="pc:AssociationName"/>
+      </xs:complexType>
+    </xs:element>
+    <xs:attribute name="EntityNamespace" type="xs:string"/>
+    <xs:attribute name="EntityName" type="xs:string"/>
+    <xs:attribute name="SystemInstanceName" type="xs:string"/>
+    <xs:attribute name="AssociationName" type="xs:string"/>
+    <xs:element name="BDCEntity">
+      <xs:complexType>
+        <xs:sequence>
+          <xs:element ref="pc:EntityDisplayName" minOccurs="0"/>
+          <xs:element ref="pc:EntityInstanceReference" minOccurs="0"/>
+          <xs:element ref="pc:EntityId1" minOccurs="0"/>
+          <xs:element ref="pc:EntityId2" minOccurs="0"/>
+          <xs:element ref="pc:EntityId3" minOccurs="0"/>
+          <xs:element ref="pc:EntityId4" minOccurs="0"/>
+          <xs:element ref="pc:EntityId5" minOccurs="0"/>
+        </xs:sequence>
+      </xs:complexType>
+    </xs:element>
+    <xs:element name="EntityDisplayName" type="xs:string"/>
+    <xs:element name="EntityInstanceReference" type="xs:string"/>
+    <xs:element name="EntityId1" type="xs:string"/>
+    <xs:element name="EntityId2" type="xs:string"/>
+    <xs:element name="EntityId3" type="xs:string"/>
+    <xs:element name="EntityId4" type="xs:string"/>
+    <xs:element name="EntityId5" type="xs:string"/>
+    <xs:element name="Terms">
+      <xs:complexType>
+        <xs:sequence>
+          <xs:element ref="pc:TermInfo" minOccurs="0" maxOccurs="unbounded"/>
+        </xs:sequence>
+      </xs:complexType>
+    </xs:element>
+    <xs:element name="TermInfo">
+      <xs:complexType>
+        <xs:sequence>
+          <xs:element ref="pc:TermName" minOccurs="0"/>
+          <xs:element ref="pc:TermId" minOccurs="0"/>
+        </xs:sequence>
+      </xs:complexType>
+    </xs:element>
+    <xs:element name="TermName" type="xs:string"/>
+    <xs:element name="TermId" type="xs:string"/>
+  </xs:schema>
+</ct:contentTypeSchema>
+</file>
+
+<file path=customXml/item2.xml><?xml version="1.0" encoding="utf-8"?>
+<?mso-contentType ?>
+<FormTemplates xmlns="http://schemas.microsoft.com/sharepoint/v3/contenttype/forms">
+  <Display>DocumentLibraryForm</Display>
+  <Edit>DocumentLibraryForm</Edit>
+  <New>DocumentLibraryForm</New>
+</FormTemplates>
+</file>
+
+<file path=customXml/item3.xml><?xml version="1.0" encoding="utf-8"?>
+<p:properties xmlns:p="http://schemas.microsoft.com/office/2006/metadata/properties" xmlns:xsi="http://www.w3.org/2001/XMLSchema-instance" xmlns:pc="http://schemas.microsoft.com/office/infopath/2007/PartnerControls">
+  <documentManagement>
+    <_activity xmlns="f659a008-7c21-4ee3-a745-e38581e13101" xsi:nil="true"/>
+  </documentManagement>
+</p:properties>
+</file>
+
+<file path=customXml/itemProps1.xml><?xml version="1.0" encoding="utf-8"?>
+<ds:datastoreItem xmlns:ds="http://schemas.openxmlformats.org/officeDocument/2006/customXml" ds:itemID="{BB647FEE-6A6D-4736-955E-46812FCD34B6}">
+  <ds:schemaRefs>
+    <ds:schemaRef ds:uri="http://schemas.microsoft.com/office/2006/metadata/contentType"/>
+    <ds:schemaRef ds:uri="http://schemas.microsoft.com/office/2006/metadata/properties/metaAttributes"/>
+    <ds:schemaRef ds:uri="http://www.w3.org/2001/XMLSchema"/>
+    <ds:schemaRef ds:uri="http://schemas.microsoft.com/office/2006/metadata/properties"/>
+    <ds:schemaRef ds:uri="f659a008-7c21-4ee3-a745-e38581e13101"/>
+    <ds:schemaRef ds:uri="e064323b-8959-406a-a3e9-bb6e93638192"/>
+    <ds:schemaRef ds:uri="http://schemas.microsoft.com/office/2006/documentManagement/types"/>
+    <ds:schemaRef ds:uri="http://schemas.microsoft.com/office/infopath/2007/PartnerControls"/>
+    <ds:schemaRef ds:uri="http://schemas.openxmlformats.org/package/2006/metadata/core-properties"/>
+    <ds:schemaRef ds:uri="http://purl.org/dc/elements/1.1/"/>
+    <ds:schemaRef ds:uri="http://purl.org/dc/terms/"/>
+    <ds:schemaRef ds:uri="http://schemas.microsoft.com/internal/obd"/>
+  </ds:schemaRefs>
+</ds:datastoreItem>
+</file>
+
+<file path=customXml/itemProps2.xml><?xml version="1.0" encoding="utf-8"?>
+<ds:datastoreItem xmlns:ds="http://schemas.openxmlformats.org/officeDocument/2006/customXml" ds:itemID="{C7148DE2-9C1B-4CBF-9EEA-A23272B4AF37}">
+  <ds:schemaRefs>
+    <ds:schemaRef ds:uri="http://schemas.microsoft.com/sharepoint/v3/contenttype/forms"/>
+  </ds:schemaRefs>
+</ds:datastoreItem>
+</file>
+
+<file path=customXml/itemProps3.xml><?xml version="1.0" encoding="utf-8"?>
+<ds:datastoreItem xmlns:ds="http://schemas.openxmlformats.org/officeDocument/2006/customXml" ds:itemID="{E6D6F283-C371-4990-9308-E63329D6F24C}">
+  <ds:schemaRefs>
+    <ds:schemaRef ds:uri="http://schemas.microsoft.com/office/infopath/2007/PartnerControls"/>
+    <ds:schemaRef ds:uri="http://purl.org/dc/elements/1.1/"/>
+    <ds:schemaRef ds:uri="http://schemas.microsoft.com/office/2006/documentManagement/types"/>
+    <ds:schemaRef ds:uri="http://purl.org/dc/terms/"/>
+    <ds:schemaRef ds:uri="http://www.w3.org/XML/1998/namespace"/>
+    <ds:schemaRef ds:uri="http://schemas.microsoft.com/office/2006/metadata/properties"/>
+    <ds:schemaRef ds:uri="http://schemas.openxmlformats.org/package/2006/metadata/core-properties"/>
+    <ds:schemaRef ds:uri="e064323b-8959-406a-a3e9-bb6e93638192"/>
+    <ds:schemaRef ds:uri="f659a008-7c21-4ee3-a745-e38581e13101"/>
+    <ds:schemaRef ds:uri="http://purl.org/dc/dcmitype/"/>
+  </ds:schemaRefs>
+</ds:datastoreItem>
 </file>